--- a/Präsentation/Teilpräsentationen/Basissoftware.pptx
+++ b/Präsentation/Teilpräsentationen/Basissoftware.pptx
@@ -714,8 +714,8 @@
           <a:lstStyle/>
           <a:p>
             <a:r>
-              <a:rPr lang="de-DE"/>
-              <a:t>14.07.2016</a:t>
+              <a:rPr lang="de-DE" dirty="0" smtClean="0"/>
+              <a:t>10.07.2018</a:t>
             </a:r>
             <a:endParaRPr lang="de-DE" dirty="0"/>
           </a:p>
@@ -979,8 +979,8 @@
           <a:lstStyle/>
           <a:p>
             <a:r>
-              <a:rPr lang="de-DE"/>
-              <a:t>14.07.2016</a:t>
+              <a:rPr lang="de-DE" dirty="0" smtClean="0"/>
+              <a:t>10.07.2018</a:t>
             </a:r>
             <a:endParaRPr lang="de-DE" dirty="0"/>
           </a:p>
@@ -1108,8 +1108,8 @@
           <a:lstStyle/>
           <a:p>
             <a:r>
-              <a:rPr lang="de-DE"/>
-              <a:t>14.07.2016</a:t>
+              <a:rPr lang="de-DE" dirty="0" smtClean="0"/>
+              <a:t>10.07.2018</a:t>
             </a:r>
             <a:endParaRPr lang="de-DE" dirty="0"/>
           </a:p>
@@ -1277,8 +1277,8 @@
           <a:lstStyle/>
           <a:p>
             <a:r>
-              <a:rPr lang="de-DE"/>
-              <a:t>14.07.2016</a:t>
+              <a:rPr lang="de-DE" dirty="0" smtClean="0"/>
+              <a:t>10.07.2018</a:t>
             </a:r>
             <a:endParaRPr lang="de-DE" dirty="0"/>
           </a:p>
@@ -1466,8 +1466,8 @@
           <a:lstStyle/>
           <a:p>
             <a:r>
-              <a:rPr lang="de-DE"/>
-              <a:t>14.07.2016</a:t>
+              <a:rPr lang="de-DE" dirty="0" smtClean="0"/>
+              <a:t>10.07.2018</a:t>
             </a:r>
             <a:endParaRPr lang="de-DE" dirty="0"/>
           </a:p>
@@ -1634,8 +1634,8 @@
           <a:lstStyle/>
           <a:p>
             <a:r>
-              <a:rPr lang="de-DE"/>
-              <a:t>14.07.2016</a:t>
+              <a:rPr lang="de-DE" dirty="0" smtClean="0"/>
+              <a:t>10.07.2018</a:t>
             </a:r>
             <a:endParaRPr lang="de-DE" dirty="0"/>
           </a:p>
@@ -1901,8 +1901,8 @@
           <a:lstStyle/>
           <a:p>
             <a:r>
-              <a:rPr lang="de-DE"/>
-              <a:t>14.07.2016</a:t>
+              <a:rPr lang="de-DE" dirty="0" smtClean="0"/>
+              <a:t>10.07.2018</a:t>
             </a:r>
             <a:endParaRPr lang="de-DE" dirty="0"/>
           </a:p>
@@ -2227,8 +2227,8 @@
           <a:lstStyle/>
           <a:p>
             <a:r>
-              <a:rPr lang="de-DE"/>
-              <a:t>14.07.2016</a:t>
+              <a:rPr lang="de-DE" dirty="0" smtClean="0"/>
+              <a:t>10.07.2018</a:t>
             </a:r>
             <a:endParaRPr lang="de-DE" dirty="0"/>
           </a:p>
@@ -2553,8 +2553,8 @@
           <a:lstStyle/>
           <a:p>
             <a:r>
-              <a:rPr lang="de-DE"/>
-              <a:t>14.07.2016</a:t>
+              <a:rPr lang="de-DE" dirty="0" smtClean="0"/>
+              <a:t>10.07.2018</a:t>
             </a:r>
             <a:endParaRPr lang="de-DE" dirty="0"/>
           </a:p>
@@ -2848,8 +2848,8 @@
           <a:lstStyle/>
           <a:p>
             <a:r>
-              <a:rPr lang="de-DE"/>
-              <a:t>14.07.2016</a:t>
+              <a:rPr lang="de-DE" dirty="0" smtClean="0"/>
+              <a:t>10.07.2018</a:t>
             </a:r>
             <a:endParaRPr lang="de-DE" dirty="0"/>
           </a:p>
@@ -3097,8 +3097,8 @@
           <a:lstStyle/>
           <a:p>
             <a:r>
-              <a:rPr lang="de-DE"/>
-              <a:t>14.07.2016</a:t>
+              <a:rPr lang="de-DE" dirty="0" smtClean="0"/>
+              <a:t>10.07.2018</a:t>
             </a:r>
             <a:endParaRPr lang="de-DE" dirty="0"/>
           </a:p>
@@ -3502,8 +3502,8 @@
           <a:lstStyle/>
           <a:p>
             <a:r>
-              <a:rPr lang="de-DE"/>
-              <a:t>14.07.2016</a:t>
+              <a:rPr lang="de-DE" dirty="0" smtClean="0"/>
+              <a:t>10.07.2018</a:t>
             </a:r>
             <a:endParaRPr lang="de-DE" dirty="0"/>
           </a:p>
@@ -3741,8 +3741,8 @@
           <a:lstStyle/>
           <a:p>
             <a:r>
-              <a:rPr lang="de-DE"/>
-              <a:t>14.07.2016</a:t>
+              <a:rPr lang="de-DE" dirty="0" smtClean="0"/>
+              <a:t>10.07.2018</a:t>
             </a:r>
             <a:endParaRPr lang="de-DE" dirty="0"/>
           </a:p>
@@ -4077,8 +4077,8 @@
           <a:lstStyle/>
           <a:p>
             <a:r>
-              <a:rPr lang="de-DE"/>
-              <a:t>14.07.2016</a:t>
+              <a:rPr lang="de-DE" dirty="0" smtClean="0"/>
+              <a:t>10.07.2018</a:t>
             </a:r>
             <a:endParaRPr lang="de-DE" dirty="0"/>
           </a:p>
@@ -4572,8 +4572,8 @@
           <a:lstStyle/>
           <a:p>
             <a:r>
-              <a:rPr lang="de-DE"/>
-              <a:t>14.07.2016</a:t>
+              <a:rPr lang="de-DE" dirty="0" smtClean="0"/>
+              <a:t>10.07.2018</a:t>
             </a:r>
             <a:endParaRPr lang="de-DE" dirty="0"/>
           </a:p>
@@ -4646,6 +4646,10 @@
             <a:br>
               <a:rPr lang="de-DE" dirty="0"/>
             </a:br>
+            <a:r>
+              <a:rPr lang="de-DE" dirty="0"/>
+              <a:t/>
+            </a:r>
             <a:br>
               <a:rPr lang="de-DE" dirty="0"/>
             </a:br>
@@ -4717,6 +4721,10 @@
             <a:br>
               <a:rPr lang="de-DE" dirty="0"/>
             </a:br>
+            <a:r>
+              <a:rPr lang="de-DE" dirty="0"/>
+              <a:t/>
+            </a:r>
             <a:br>
               <a:rPr lang="de-DE" dirty="0"/>
             </a:br>
@@ -4934,6 +4942,10 @@
             <a:br>
               <a:rPr lang="de-DE" dirty="0"/>
             </a:br>
+            <a:r>
+              <a:rPr lang="de-DE" dirty="0"/>
+              <a:t/>
+            </a:r>
             <a:br>
               <a:rPr lang="de-DE" dirty="0"/>
             </a:br>
@@ -5005,6 +5017,10 @@
             <a:br>
               <a:rPr lang="de-DE" dirty="0"/>
             </a:br>
+            <a:r>
+              <a:rPr lang="de-DE" dirty="0"/>
+              <a:t/>
+            </a:r>
             <a:br>
               <a:rPr lang="de-DE" dirty="0"/>
             </a:br>
@@ -5213,8 +5229,8 @@
           <a:lstStyle/>
           <a:p>
             <a:r>
-              <a:rPr lang="de-DE"/>
-              <a:t>14.07.2016</a:t>
+              <a:rPr lang="de-DE" dirty="0" smtClean="0"/>
+              <a:t>10.07.2018</a:t>
             </a:r>
             <a:endParaRPr lang="de-DE" dirty="0"/>
           </a:p>
@@ -5526,8 +5542,8 @@
           <a:lstStyle/>
           <a:p>
             <a:r>
-              <a:rPr lang="de-DE"/>
-              <a:t>14.07.2016</a:t>
+              <a:rPr lang="de-DE" dirty="0" smtClean="0"/>
+              <a:t>10.07.2018</a:t>
             </a:r>
             <a:endParaRPr lang="de-DE" dirty="0"/>
           </a:p>
@@ -5648,18 +5664,38 @@
             <a:br>
               <a:rPr lang="de-DE" dirty="0"/>
             </a:br>
+            <a:r>
+              <a:rPr lang="de-DE" dirty="0"/>
+              <a:t/>
+            </a:r>
             <a:br>
               <a:rPr lang="de-DE" dirty="0"/>
             </a:br>
+            <a:r>
+              <a:rPr lang="de-DE" dirty="0"/>
+              <a:t/>
+            </a:r>
             <a:br>
               <a:rPr lang="de-DE" dirty="0"/>
             </a:br>
+            <a:r>
+              <a:rPr lang="de-DE" dirty="0"/>
+              <a:t/>
+            </a:r>
             <a:br>
               <a:rPr lang="de-DE" dirty="0"/>
             </a:br>
+            <a:r>
+              <a:rPr lang="de-DE" dirty="0"/>
+              <a:t/>
+            </a:r>
             <a:br>
               <a:rPr lang="de-DE" dirty="0"/>
             </a:br>
+            <a:r>
+              <a:rPr lang="de-DE" dirty="0"/>
+              <a:t/>
+            </a:r>
             <a:br>
               <a:rPr lang="de-DE" dirty="0"/>
             </a:br>
@@ -5948,8 +5984,8 @@
           </a:lstStyle>
           <a:p>
             <a:r>
-              <a:rPr lang="de-DE"/>
-              <a:t>14.07.2016</a:t>
+              <a:rPr lang="de-DE" dirty="0" smtClean="0"/>
+              <a:t>10.07.2018</a:t>
             </a:r>
             <a:endParaRPr lang="de-DE" dirty="0"/>
           </a:p>
@@ -6508,11 +6544,14 @@
           <a:lstStyle/>
           <a:p>
             <a:r>
-              <a:rPr lang="de-DE"/>
-              <a:t>14.07.2016</a:t>
+              <a:rPr lang="de-DE" dirty="0" smtClean="0"/>
+              <a:t>10.07.2018</a:t>
             </a:r>
             <a:endParaRPr lang="de-DE" dirty="0"/>
           </a:p>
+          <a:p>
+            <a:endParaRPr lang="de-DE" dirty="0"/>
+          </a:p>
         </p:txBody>
       </p:sp>
       <p:sp>
@@ -6531,13 +6570,10 @@
           <a:lstStyle/>
           <a:p>
             <a:r>
-              <a:rPr lang="de-DE" dirty="0" err="1"/>
-              <a:t>Legosar</a:t>
-            </a:r>
-            <a:r>
-              <a:rPr lang="de-DE" dirty="0"/>
-              <a:t> SS 18</a:t>
-            </a:r>
+              <a:rPr lang="de-DE" smtClean="0"/>
+              <a:t>Legosar SS 18</a:t>
+            </a:r>
+            <a:endParaRPr lang="de-DE" dirty="0"/>
           </a:p>
         </p:txBody>
       </p:sp>
@@ -6557,7 +6593,7 @@
           <a:lstStyle/>
           <a:p>
             <a:r>
-              <a:rPr lang="de-DE"/>
+              <a:rPr lang="de-DE" smtClean="0"/>
               <a:t>S. </a:t>
             </a:r>
             <a:fld id="{D7EFD9E5-FB44-4C01-A2C2-48348664E7CC}" type="slidenum">
@@ -6571,7 +6607,7 @@
       </p:sp>
       <p:sp>
         <p:nvSpPr>
-          <p:cNvPr id="5" name="Inhaltsplatzhalter 4"/>
+          <p:cNvPr id="30" name="Inhaltsplatzhalter 29"/>
           <p:cNvSpPr>
             <a:spLocks noGrp="1"/>
           </p:cNvSpPr>
@@ -6584,48 +6620,49 @@
           <a:bodyPr/>
           <a:lstStyle/>
           <a:p>
+            <a:endParaRPr lang="de-DE"/>
+          </a:p>
+        </p:txBody>
+      </p:sp>
+      <p:sp>
+        <p:nvSpPr>
+          <p:cNvPr id="31" name="Textplatzhalter 30"/>
+          <p:cNvSpPr>
+            <a:spLocks noGrp="1"/>
+          </p:cNvSpPr>
+          <p:nvPr>
+            <p:ph type="body" sz="quarter" idx="13"/>
+          </p:nvPr>
+        </p:nvSpPr>
+        <p:spPr/>
+        <p:txBody>
+          <a:bodyPr/>
+          <a:lstStyle/>
+          <a:p>
+            <a:endParaRPr lang="de-DE"/>
+          </a:p>
+        </p:txBody>
+      </p:sp>
+      <p:sp>
+        <p:nvSpPr>
+          <p:cNvPr id="7" name="Titel 6"/>
+          <p:cNvSpPr>
+            <a:spLocks noGrp="1"/>
+          </p:cNvSpPr>
+          <p:nvPr>
+            <p:ph type="title"/>
+          </p:nvPr>
+        </p:nvSpPr>
+        <p:spPr/>
+        <p:txBody>
+          <a:bodyPr/>
+          <a:lstStyle/>
+          <a:p>
+            <a:r>
+              <a:rPr lang="de-DE" smtClean="0"/>
+              <a:t>Basissoftware</a:t>
+            </a:r>
             <a:endParaRPr lang="de-DE" dirty="0"/>
-          </a:p>
-        </p:txBody>
-      </p:sp>
-      <p:sp>
-        <p:nvSpPr>
-          <p:cNvPr id="6" name="Textplatzhalter 5"/>
-          <p:cNvSpPr>
-            <a:spLocks noGrp="1"/>
-          </p:cNvSpPr>
-          <p:nvPr>
-            <p:ph type="body" sz="quarter" idx="13"/>
-          </p:nvPr>
-        </p:nvSpPr>
-        <p:spPr/>
-        <p:txBody>
-          <a:bodyPr/>
-          <a:lstStyle/>
-          <a:p>
-            <a:endParaRPr lang="de-DE" dirty="0"/>
-          </a:p>
-        </p:txBody>
-      </p:sp>
-      <p:sp>
-        <p:nvSpPr>
-          <p:cNvPr id="7" name="Titel 6"/>
-          <p:cNvSpPr>
-            <a:spLocks noGrp="1"/>
-          </p:cNvSpPr>
-          <p:nvPr>
-            <p:ph type="title"/>
-          </p:nvPr>
-        </p:nvSpPr>
-        <p:spPr/>
-        <p:txBody>
-          <a:bodyPr/>
-          <a:lstStyle/>
-          <a:p>
-            <a:r>
-              <a:rPr lang="de-DE" dirty="0"/>
-              <a:t>Basissoftware</a:t>
-            </a:r>
           </a:p>
         </p:txBody>
       </p:sp>
@@ -6727,6 +6764,14 @@
   <p:clrMapOvr>
     <a:masterClrMapping/>
   </p:clrMapOvr>
+  <mc:AlternateContent xmlns:mc="http://schemas.openxmlformats.org/markup-compatibility/2006">
+    <mc:Choice xmlns:p14="http://schemas.microsoft.com/office/powerpoint/2010/main" Requires="p14">
+      <p:transition spd="slow" p14:dur="2000"/>
+    </mc:Choice>
+    <mc:Fallback>
+      <p:transition spd="slow"/>
+    </mc:Fallback>
+  </mc:AlternateContent>
 </p:sld>
 </file>
 
@@ -6763,8 +6808,8 @@
           <a:lstStyle/>
           <a:p>
             <a:r>
-              <a:rPr lang="de-DE"/>
-              <a:t>14.07.2016</a:t>
+              <a:rPr lang="de-DE" dirty="0"/>
+              <a:t>10.07.2018</a:t>
             </a:r>
             <a:endParaRPr lang="de-DE" dirty="0"/>
           </a:p>
@@ -7054,8 +7099,8 @@
           <a:lstStyle/>
           <a:p>
             <a:r>
-              <a:rPr lang="de-DE"/>
-              <a:t>14.07.2016</a:t>
+              <a:rPr lang="de-DE" dirty="0"/>
+              <a:t>10.07.2018</a:t>
             </a:r>
             <a:endParaRPr lang="de-DE" dirty="0"/>
           </a:p>
@@ -7271,8 +7316,8 @@
           <a:lstStyle/>
           <a:p>
             <a:r>
-              <a:rPr lang="de-DE"/>
-              <a:t>14.07.2016</a:t>
+              <a:rPr lang="de-DE" dirty="0"/>
+              <a:t>10.07.2018</a:t>
             </a:r>
             <a:endParaRPr lang="de-DE" dirty="0"/>
           </a:p>
@@ -7657,8 +7702,8 @@
           <a:lstStyle/>
           <a:p>
             <a:r>
-              <a:rPr lang="de-DE"/>
-              <a:t>14.07.2016</a:t>
+              <a:rPr lang="de-DE" dirty="0"/>
+              <a:t>10.07.2018</a:t>
             </a:r>
             <a:endParaRPr lang="de-DE" dirty="0"/>
           </a:p>
@@ -7874,8 +7919,8 @@
           <a:lstStyle/>
           <a:p>
             <a:r>
-              <a:rPr lang="de-DE"/>
-              <a:t>14.07.2016</a:t>
+              <a:rPr lang="de-DE" dirty="0"/>
+              <a:t>10.07.2018</a:t>
             </a:r>
             <a:endParaRPr lang="de-DE" dirty="0"/>
           </a:p>
@@ -7951,8 +7996,150 @@
           <a:lstStyle/>
           <a:p>
             <a:r>
-              <a:rPr lang="de-DE" dirty="0"/>
-              <a:t>//Liest einen IO Pin an einem I2C-Expander</a:t>
+              <a:rPr lang="de-DE" dirty="0" smtClean="0"/>
+              <a:t>//DIO Interface</a:t>
+            </a:r>
+          </a:p>
+          <a:p>
+            <a:r>
+              <a:rPr lang="de-DE" dirty="0"/>
+              <a:t>#</a:t>
+            </a:r>
+            <a:r>
+              <a:rPr lang="de-DE" dirty="0" err="1"/>
+              <a:t>define</a:t>
+            </a:r>
+            <a:r>
+              <a:rPr lang="de-DE" dirty="0"/>
+              <a:t> </a:t>
+            </a:r>
+            <a:r>
+              <a:rPr lang="de-DE" dirty="0" err="1"/>
+              <a:t>DIO_Read_Pin</a:t>
+            </a:r>
+            <a:r>
+              <a:rPr lang="de-DE" dirty="0"/>
+              <a:t>(</a:t>
+            </a:r>
+            <a:r>
+              <a:rPr lang="de-DE" dirty="0" err="1"/>
+              <a:t>DIOIndex</a:t>
+            </a:r>
+            <a:r>
+              <a:rPr lang="de-DE" dirty="0"/>
+              <a:t>, Port, Adresse) \</a:t>
+            </a:r>
+          </a:p>
+          <a:p>
+            <a:r>
+              <a:rPr lang="de-DE" dirty="0"/>
+              <a:t>    (*</a:t>
+            </a:r>
+            <a:r>
+              <a:rPr lang="de-DE" dirty="0" err="1"/>
+              <a:t>DioIfReadFctPtr</a:t>
+            </a:r>
+            <a:r>
+              <a:rPr lang="de-DE" dirty="0"/>
+              <a:t>[</a:t>
+            </a:r>
+            <a:r>
+              <a:rPr lang="de-DE" dirty="0" err="1"/>
+              <a:t>DIOIndex</a:t>
+            </a:r>
+            <a:r>
+              <a:rPr lang="de-DE" dirty="0"/>
+              <a:t>])(Port, Adresse)</a:t>
+            </a:r>
+          </a:p>
+          <a:p>
+            <a:r>
+              <a:rPr lang="de-DE" dirty="0"/>
+              <a:t>    </a:t>
+            </a:r>
+          </a:p>
+          <a:p>
+            <a:r>
+              <a:rPr lang="de-DE" dirty="0"/>
+              <a:t>#</a:t>
+            </a:r>
+            <a:r>
+              <a:rPr lang="de-DE" dirty="0" err="1"/>
+              <a:t>define</a:t>
+            </a:r>
+            <a:r>
+              <a:rPr lang="de-DE" dirty="0"/>
+              <a:t> </a:t>
+            </a:r>
+            <a:r>
+              <a:rPr lang="de-DE" dirty="0" err="1"/>
+              <a:t>DIO_Write_Pin</a:t>
+            </a:r>
+            <a:r>
+              <a:rPr lang="de-DE" dirty="0"/>
+              <a:t>(</a:t>
+            </a:r>
+            <a:r>
+              <a:rPr lang="de-DE" dirty="0" err="1"/>
+              <a:t>DIOIndex</a:t>
+            </a:r>
+            <a:r>
+              <a:rPr lang="de-DE" dirty="0"/>
+              <a:t>, Port, Adresse, Pin, Level) \</a:t>
+            </a:r>
+          </a:p>
+          <a:p>
+            <a:r>
+              <a:rPr lang="de-DE" dirty="0"/>
+              <a:t>    (*</a:t>
+            </a:r>
+            <a:r>
+              <a:rPr lang="de-DE" dirty="0" err="1"/>
+              <a:t>DioIfWriteFctPtr</a:t>
+            </a:r>
+            <a:r>
+              <a:rPr lang="de-DE" dirty="0"/>
+              <a:t>[</a:t>
+            </a:r>
+            <a:r>
+              <a:rPr lang="de-DE" dirty="0" err="1"/>
+              <a:t>DIOIndex</a:t>
+            </a:r>
+            <a:r>
+              <a:rPr lang="de-DE" dirty="0"/>
+              <a:t>])(Port, Adresse, Pin, Level)</a:t>
+            </a:r>
+          </a:p>
+          <a:p>
+            <a:endParaRPr lang="de-DE" dirty="0" smtClean="0"/>
+          </a:p>
+          <a:p>
+            <a:endParaRPr lang="de-DE" dirty="0"/>
+          </a:p>
+          <a:p>
+            <a:r>
+              <a:rPr lang="de-DE" dirty="0" smtClean="0"/>
+              <a:t>//</a:t>
+            </a:r>
+            <a:r>
+              <a:rPr lang="de-DE" dirty="0"/>
+              <a:t>Liest </a:t>
+            </a:r>
+            <a:r>
+              <a:rPr lang="de-DE" dirty="0" smtClean="0"/>
+              <a:t>einen oder mehrere </a:t>
+            </a:r>
+            <a:r>
+              <a:rPr lang="de-DE" dirty="0"/>
+              <a:t>IO </a:t>
+            </a:r>
+            <a:r>
+              <a:rPr lang="de-DE" dirty="0" smtClean="0"/>
+              <a:t>Pins </a:t>
+            </a:r>
+            <a:r>
+              <a:rPr lang="de-DE" dirty="0"/>
+              <a:t>an einem I2C-Expander</a:t>
             </a:r>
           </a:p>
           <a:p>
@@ -7991,7 +8178,23 @@
           <a:p>
             <a:r>
               <a:rPr lang="de-DE" dirty="0"/>
-              <a:t>//Beschreibt einen IO Pin an einem I2C-Expander</a:t>
+              <a:t>//Beschreibt </a:t>
+            </a:r>
+            <a:r>
+              <a:rPr lang="de-DE" dirty="0" smtClean="0"/>
+              <a:t>einen oder mehrere </a:t>
+            </a:r>
+            <a:r>
+              <a:rPr lang="de-DE" dirty="0"/>
+              <a:t>IO </a:t>
+            </a:r>
+            <a:r>
+              <a:rPr lang="de-DE" dirty="0" smtClean="0"/>
+              <a:t>Pins </a:t>
+            </a:r>
+            <a:r>
+              <a:rPr lang="de-DE" dirty="0"/>
+              <a:t>an einem I2C-Expander</a:t>
             </a:r>
           </a:p>
           <a:p>
@@ -8111,8 +8314,8 @@
           <a:lstStyle/>
           <a:p>
             <a:r>
-              <a:rPr lang="de-DE"/>
-              <a:t>14.07.2016</a:t>
+              <a:rPr lang="de-DE" dirty="0"/>
+              <a:t>10.07.2018</a:t>
             </a:r>
             <a:endParaRPr lang="de-DE" dirty="0"/>
           </a:p>
@@ -8329,7 +8532,7 @@
           <a:p>
             <a:r>
               <a:rPr lang="de-DE"/>
-              <a:t>14.07.2016</a:t>
+              <a:t>10.07.2018</a:t>
             </a:r>
             <a:endParaRPr lang="de-DE" dirty="0"/>
           </a:p>
@@ -8405,14 +8608,89 @@
           <a:lstStyle/>
           <a:p>
             <a:r>
+              <a:rPr lang="en-US" dirty="0" smtClean="0"/>
+              <a:t>//</a:t>
+            </a:r>
+            <a:r>
+              <a:rPr lang="de-DE" dirty="0" smtClean="0"/>
+              <a:t>Initialisiert den I2C-Bus </a:t>
+            </a:r>
+            <a:endParaRPr lang="en-US" dirty="0" smtClean="0"/>
+          </a:p>
+          <a:p>
+            <a:r>
+              <a:rPr lang="de-DE" dirty="0"/>
+              <a:t>#</a:t>
+            </a:r>
+            <a:r>
+              <a:rPr lang="de-DE" dirty="0" err="1"/>
+              <a:t>define</a:t>
+            </a:r>
+            <a:r>
+              <a:rPr lang="de-DE" dirty="0"/>
+              <a:t> i2c_init(</a:t>
+            </a:r>
+            <a:r>
+              <a:rPr lang="de-DE" dirty="0" err="1"/>
+              <a:t>port_id</a:t>
+            </a:r>
+            <a:r>
+              <a:rPr lang="de-DE" dirty="0"/>
+              <a:t>) ecrobot_init_i2c(</a:t>
+            </a:r>
+            <a:r>
+              <a:rPr lang="de-DE" dirty="0" err="1"/>
+              <a:t>port_id</a:t>
+            </a:r>
+            <a:r>
+              <a:rPr lang="de-DE" dirty="0"/>
+              <a:t>, LOWSPEED</a:t>
+            </a:r>
+            <a:r>
+              <a:rPr lang="de-DE" dirty="0" smtClean="0"/>
+              <a:t>)</a:t>
+            </a:r>
+          </a:p>
+          <a:p>
+            <a:endParaRPr lang="en-US" dirty="0"/>
+          </a:p>
+          <a:p>
+            <a:endParaRPr lang="en-US" dirty="0" smtClean="0"/>
+          </a:p>
+          <a:p>
+            <a:r>
+              <a:rPr lang="en-US" dirty="0" smtClean="0"/>
+              <a:t>//</a:t>
+            </a:r>
+            <a:r>
+              <a:rPr lang="en-US" dirty="0" err="1" smtClean="0"/>
+              <a:t>Liest</a:t>
+            </a:r>
+            <a:r>
+              <a:rPr lang="en-US" dirty="0" smtClean="0"/>
+              <a:t> von </a:t>
+            </a:r>
+            <a:r>
+              <a:rPr lang="en-US" dirty="0" err="1" smtClean="0"/>
+              <a:t>einem</a:t>
+            </a:r>
+            <a:r>
+              <a:rPr lang="en-US" dirty="0" smtClean="0"/>
+              <a:t> </a:t>
+            </a:r>
+            <a:r>
+              <a:rPr lang="en-US" dirty="0" err="1" smtClean="0"/>
+              <a:t>spezifischen</a:t>
+            </a:r>
+            <a:r>
+              <a:rPr lang="en-US" dirty="0" smtClean="0"/>
+              <a:t> Register des I2C-Buses</a:t>
+            </a:r>
+          </a:p>
+          <a:p>
+            <a:r>
               <a:rPr lang="en-US" dirty="0"/>
-              <a:t>//Read from I2C-Bus</a:t>
-            </a:r>
-          </a:p>
-          <a:p>
-            <a:r>
-              <a:rPr lang="en-US" dirty="0"/>
-              <a:t>i2c_read(U8 </a:t>
+              <a:t>#define i2c_read_reg(</a:t>
             </a:r>
             <a:r>
               <a:rPr lang="en-US" dirty="0" err="1"/>
@@ -8420,7 +8698,45 @@
             </a:r>
             <a:r>
               <a:rPr lang="en-US" dirty="0"/>
-              <a:t>, U8 i2c_address, U8 *buffer, U8 </a:t>
+              <a:t>, i2c_address, </a:t>
+            </a:r>
+            <a:r>
+              <a:rPr lang="en-US" dirty="0" err="1"/>
+              <a:t>regAddress</a:t>
+            </a:r>
+            <a:r>
+              <a:rPr lang="en-US" dirty="0"/>
+              <a:t>, buffer, </a:t>
+            </a:r>
+            <a:r>
+              <a:rPr lang="en-US" dirty="0" err="1" smtClean="0"/>
+              <a:t>bufferSize</a:t>
+            </a:r>
+            <a:r>
+              <a:rPr lang="en-US" dirty="0" smtClean="0"/>
+              <a:t>) \</a:t>
+            </a:r>
+          </a:p>
+          <a:p>
+            <a:r>
+              <a:rPr lang="en-US" dirty="0" smtClean="0"/>
+              <a:t>ecrobot_read_i2c(</a:t>
+            </a:r>
+            <a:r>
+              <a:rPr lang="en-US" dirty="0" err="1" smtClean="0"/>
+              <a:t>port_id</a:t>
+            </a:r>
+            <a:r>
+              <a:rPr lang="en-US" dirty="0"/>
+              <a:t>, i2c_address, </a:t>
+            </a:r>
+            <a:r>
+              <a:rPr lang="en-US" dirty="0" err="1"/>
+              <a:t>regAddress</a:t>
+            </a:r>
+            <a:r>
+              <a:rPr lang="en-US" dirty="0"/>
+              <a:t>, buffer, </a:t>
             </a:r>
             <a:r>
               <a:rPr lang="en-US" dirty="0" err="1"/>
@@ -8432,111 +8748,133 @@
             </a:r>
           </a:p>
           <a:p>
+            <a:endParaRPr lang="en-US" dirty="0" smtClean="0"/>
+          </a:p>
+          <a:p>
+            <a:endParaRPr lang="en-US" dirty="0" smtClean="0"/>
+          </a:p>
+          <a:p>
+            <a:r>
+              <a:rPr lang="en-US" dirty="0" smtClean="0"/>
+              <a:t>//</a:t>
+            </a:r>
+            <a:r>
+              <a:rPr lang="en-US" dirty="0" err="1" smtClean="0"/>
+              <a:t>Schreibt</a:t>
+            </a:r>
+            <a:r>
+              <a:rPr lang="en-US" dirty="0" smtClean="0"/>
+              <a:t> in </a:t>
+            </a:r>
+            <a:r>
+              <a:rPr lang="en-US" dirty="0" err="1" smtClean="0"/>
+              <a:t>ein</a:t>
+            </a:r>
+            <a:r>
+              <a:rPr lang="en-US" dirty="0" smtClean="0"/>
+              <a:t> </a:t>
+            </a:r>
+            <a:r>
+              <a:rPr lang="en-US" dirty="0" err="1" smtClean="0"/>
+              <a:t>spezifisches</a:t>
+            </a:r>
+            <a:r>
+              <a:rPr lang="en-US" dirty="0" smtClean="0"/>
+              <a:t> </a:t>
+            </a:r>
+            <a:r>
+              <a:rPr lang="en-US" dirty="0"/>
+              <a:t>Register </a:t>
+            </a:r>
+            <a:r>
+              <a:rPr lang="en-US" dirty="0" smtClean="0"/>
+              <a:t>auf </a:t>
+            </a:r>
+            <a:r>
+              <a:rPr lang="en-US" dirty="0" err="1" smtClean="0"/>
+              <a:t>dem</a:t>
+            </a:r>
+            <a:r>
+              <a:rPr lang="en-US" dirty="0" smtClean="0"/>
+              <a:t> I2C-Bus</a:t>
+            </a:r>
             <a:endParaRPr lang="en-US" dirty="0"/>
           </a:p>
           <a:p>
             <a:r>
-              <a:rPr lang="en-US" dirty="0"/>
-              <a:t>//Read specific register from I2C-Bus</a:t>
-            </a:r>
-          </a:p>
-          <a:p>
-            <a:r>
-              <a:rPr lang="en-US" dirty="0"/>
-              <a:t>i2c_read_reg(U8 </a:t>
-            </a:r>
-            <a:r>
-              <a:rPr lang="en-US" dirty="0" err="1"/>
+              <a:rPr lang="de-DE" dirty="0"/>
+              <a:t>#</a:t>
+            </a:r>
+            <a:r>
+              <a:rPr lang="de-DE" dirty="0" err="1"/>
+              <a:t>define</a:t>
+            </a:r>
+            <a:r>
+              <a:rPr lang="de-DE" dirty="0"/>
+              <a:t> i2c_write_reg(</a:t>
+            </a:r>
+            <a:r>
+              <a:rPr lang="de-DE" dirty="0" err="1"/>
               <a:t>port_id</a:t>
             </a:r>
             <a:r>
-              <a:rPr lang="en-US" dirty="0"/>
-              <a:t>, U8 i2c_address, U8 </a:t>
-            </a:r>
-            <a:r>
-              <a:rPr lang="en-US" dirty="0" err="1"/>
+              <a:rPr lang="de-DE" dirty="0"/>
+              <a:t>, i2c_address, </a:t>
+            </a:r>
+            <a:r>
+              <a:rPr lang="de-DE" dirty="0" err="1"/>
               <a:t>regAddress</a:t>
             </a:r>
             <a:r>
-              <a:rPr lang="en-US" dirty="0"/>
-              <a:t>, U8 *buffer, U8 </a:t>
-            </a:r>
-            <a:r>
-              <a:rPr lang="en-US" dirty="0" err="1"/>
+              <a:rPr lang="de-DE" dirty="0"/>
+              <a:t>, </a:t>
+            </a:r>
+            <a:r>
+              <a:rPr lang="de-DE" dirty="0" err="1"/>
+              <a:t>buffer</a:t>
+            </a:r>
+            <a:r>
+              <a:rPr lang="de-DE" dirty="0"/>
+              <a:t>, </a:t>
+            </a:r>
+            <a:r>
+              <a:rPr lang="de-DE" dirty="0" err="1" smtClean="0"/>
               <a:t>bufferSize</a:t>
             </a:r>
             <a:r>
-              <a:rPr lang="en-US" dirty="0"/>
-              <a:t>)</a:t>
-            </a:r>
-          </a:p>
-          <a:p>
-            <a:endParaRPr lang="en-US" dirty="0"/>
-          </a:p>
-          <a:p>
-            <a:r>
-              <a:rPr lang="en-US" dirty="0"/>
-              <a:t>//Write to I2C-Bus</a:t>
-            </a:r>
-          </a:p>
-          <a:p>
-            <a:r>
-              <a:rPr lang="en-US" dirty="0"/>
-              <a:t>i2c_write(U8 </a:t>
-            </a:r>
-            <a:r>
-              <a:rPr lang="en-US" dirty="0" err="1"/>
+              <a:rPr lang="de-DE" dirty="0" smtClean="0"/>
+              <a:t>) \ ecrobot_send_i2c(</a:t>
+            </a:r>
+            <a:r>
+              <a:rPr lang="de-DE" dirty="0" err="1" smtClean="0"/>
               <a:t>port_id</a:t>
             </a:r>
             <a:r>
-              <a:rPr lang="en-US" dirty="0"/>
-              <a:t>, U8 i2c_address, U8 *buffer, U8 </a:t>
-            </a:r>
-            <a:r>
-              <a:rPr lang="en-US" dirty="0" err="1"/>
+              <a:rPr lang="de-DE" dirty="0"/>
+              <a:t>, i2c_address, </a:t>
+            </a:r>
+            <a:r>
+              <a:rPr lang="de-DE" dirty="0" err="1"/>
+              <a:t>regAddress</a:t>
+            </a:r>
+            <a:r>
+              <a:rPr lang="de-DE" dirty="0"/>
+              <a:t>, </a:t>
+            </a:r>
+            <a:r>
+              <a:rPr lang="de-DE" dirty="0" err="1"/>
+              <a:t>buffer</a:t>
+            </a:r>
+            <a:r>
+              <a:rPr lang="de-DE" dirty="0"/>
+              <a:t>, </a:t>
+            </a:r>
+            <a:r>
+              <a:rPr lang="de-DE" dirty="0" err="1"/>
               <a:t>bufferSize</a:t>
             </a:r>
             <a:r>
-              <a:rPr lang="en-US" dirty="0"/>
-              <a:t>)</a:t>
-            </a:r>
-          </a:p>
-          <a:p>
-            <a:endParaRPr lang="en-US" dirty="0"/>
-          </a:p>
-          <a:p>
-            <a:r>
-              <a:rPr lang="en-US" dirty="0"/>
-              <a:t>//Write specific register to I2C-Bus</a:t>
-            </a:r>
-          </a:p>
-          <a:p>
-            <a:r>
-              <a:rPr lang="en-US" dirty="0"/>
-              <a:t>i2c_write_reg(U8 </a:t>
-            </a:r>
-            <a:r>
-              <a:rPr lang="en-US" dirty="0" err="1"/>
-              <a:t>port_id</a:t>
-            </a:r>
-            <a:r>
-              <a:rPr lang="en-US" dirty="0"/>
-              <a:t>, U8 i2c_address, U8 </a:t>
-            </a:r>
-            <a:r>
-              <a:rPr lang="en-US" dirty="0" err="1"/>
-              <a:t>regAddress</a:t>
-            </a:r>
-            <a:r>
-              <a:rPr lang="en-US" dirty="0"/>
-              <a:t>, U8 *buffer, U8 </a:t>
-            </a:r>
-            <a:r>
-              <a:rPr lang="en-US" dirty="0" err="1"/>
-              <a:t>bufferSize</a:t>
-            </a:r>
-            <a:r>
-              <a:rPr lang="en-US" dirty="0"/>
+              <a:rPr lang="de-DE" dirty="0"/>
               <a:t>)</a:t>
             </a:r>
           </a:p>
@@ -8632,8 +8970,8 @@
           <a:lstStyle/>
           <a:p>
             <a:r>
-              <a:rPr lang="de-DE"/>
-              <a:t>14.07.2016</a:t>
+              <a:rPr lang="de-DE" dirty="0"/>
+              <a:t>10.07.2018</a:t>
             </a:r>
             <a:endParaRPr lang="de-DE" dirty="0"/>
           </a:p>
@@ -8875,8 +9213,8 @@
           <a:lstStyle/>
           <a:p>
             <a:r>
-              <a:rPr lang="de-DE"/>
-              <a:t>14.07.2016</a:t>
+              <a:rPr lang="de-DE" dirty="0"/>
+              <a:t>10.07.2018</a:t>
             </a:r>
             <a:endParaRPr lang="de-DE" dirty="0"/>
           </a:p>
@@ -9130,8 +9468,8 @@
           <a:lstStyle/>
           <a:p>
             <a:r>
-              <a:rPr lang="de-DE"/>
-              <a:t>14.07.2016</a:t>
+              <a:rPr lang="de-DE" dirty="0"/>
+              <a:t>10.07.2018</a:t>
             </a:r>
             <a:endParaRPr lang="de-DE" dirty="0"/>
           </a:p>
@@ -9501,8 +9839,8 @@
           <a:lstStyle/>
           <a:p>
             <a:r>
-              <a:rPr lang="de-DE"/>
-              <a:t>14.07.2016</a:t>
+              <a:rPr lang="de-DE" dirty="0"/>
+              <a:t>10.07.2018</a:t>
             </a:r>
             <a:endParaRPr lang="de-DE" dirty="0"/>
           </a:p>
@@ -9740,8 +10078,8 @@
           <a:lstStyle/>
           <a:p>
             <a:r>
-              <a:rPr lang="de-DE"/>
-              <a:t>14.07.2016</a:t>
+              <a:rPr lang="de-DE" dirty="0"/>
+              <a:t>10.07.2018</a:t>
             </a:r>
             <a:endParaRPr lang="de-DE" dirty="0"/>
           </a:p>
@@ -9921,8 +10259,8 @@
           <a:lstStyle/>
           <a:p>
             <a:r>
-              <a:rPr lang="de-DE"/>
-              <a:t>14.07.2016</a:t>
+              <a:rPr lang="de-DE" dirty="0"/>
+              <a:t>10.07.2018</a:t>
             </a:r>
             <a:endParaRPr lang="de-DE" dirty="0"/>
           </a:p>
@@ -10176,8 +10514,8 @@
           <a:lstStyle/>
           <a:p>
             <a:r>
-              <a:rPr lang="de-DE"/>
-              <a:t>14.07.2016</a:t>
+              <a:rPr lang="de-DE" dirty="0"/>
+              <a:t>10.07.2018</a:t>
             </a:r>
             <a:endParaRPr lang="de-DE" dirty="0"/>
           </a:p>
@@ -10551,8 +10889,8 @@
           <a:lstStyle/>
           <a:p>
             <a:r>
-              <a:rPr lang="de-DE"/>
-              <a:t>14.07.2016</a:t>
+              <a:rPr lang="de-DE" dirty="0"/>
+              <a:t>10.07.2018</a:t>
             </a:r>
             <a:endParaRPr lang="de-DE" dirty="0"/>
           </a:p>
@@ -11617,12 +11955,6 @@
 </file>
 
 <file path=customXml/item1.xml><?xml version="1.0" encoding="utf-8"?>
-<p:properties xmlns:p="http://schemas.microsoft.com/office/2006/metadata/properties" xmlns:xsi="http://www.w3.org/2001/XMLSchema-instance" xmlns:pc="http://schemas.microsoft.com/office/infopath/2007/PartnerControls">
-  <documentManagement/>
-</p:properties>
-</file>
-
-<file path=customXml/item2.xml><?xml version="1.0" encoding="utf-8"?>
 <ct:contentTypeSchema xmlns:ct="http://schemas.microsoft.com/office/2006/metadata/contentType" xmlns:ma="http://schemas.microsoft.com/office/2006/metadata/properties/metaAttributes" ct:_="" ma:_="" ma:contentTypeName="Dokument" ma:contentTypeID="0x0101003DC6390AE56B35438C65966F635EAD35" ma:contentTypeVersion="0" ma:contentTypeDescription="Ein neues Dokument erstellen." ma:contentTypeScope="" ma:versionID="4f3286d4674dd6d9e62b4ad622de0e43">
   <xsd:schema xmlns:xsd="http://www.w3.org/2001/XMLSchema" xmlns:xs="http://www.w3.org/2001/XMLSchema" xmlns:p="http://schemas.microsoft.com/office/2006/metadata/properties" targetNamespace="http://schemas.microsoft.com/office/2006/metadata/properties" ma:root="true" ma:fieldsID="b4f5dc90cf06628c3b90945c8266c24d">
     <xsd:element name="properties">
@@ -11736,6 +12068,12 @@
 </ct:contentTypeSchema>
 </file>
 
+<file path=customXml/item2.xml><?xml version="1.0" encoding="utf-8"?>
+<p:properties xmlns:p="http://schemas.microsoft.com/office/2006/metadata/properties" xmlns:xsi="http://www.w3.org/2001/XMLSchema-instance" xmlns:pc="http://schemas.microsoft.com/office/infopath/2007/PartnerControls">
+  <documentManagement/>
+</p:properties>
+</file>
+
 <file path=customXml/item3.xml><?xml version="1.0" encoding="utf-8"?>
 <?mso-contentType ?>
 <FormTemplates xmlns="http://schemas.microsoft.com/sharepoint/v3/contenttype/forms">
@@ -11746,21 +12084,6 @@
 </file>
 
 <file path=customXml/itemProps1.xml><?xml version="1.0" encoding="utf-8"?>
-<ds:datastoreItem xmlns:ds="http://schemas.openxmlformats.org/officeDocument/2006/customXml" ds:itemID="{0A4ADDD2-5B29-4A1F-90E1-3FD9AC1E4F18}">
-  <ds:schemaRefs>
-    <ds:schemaRef ds:uri="http://schemas.microsoft.com/office/2006/documentManagement/types"/>
-    <ds:schemaRef ds:uri="http://schemas.microsoft.com/office/2006/metadata/properties"/>
-    <ds:schemaRef ds:uri="http://schemas.microsoft.com/office/infopath/2007/PartnerControls"/>
-    <ds:schemaRef ds:uri="http://www.w3.org/XML/1998/namespace"/>
-    <ds:schemaRef ds:uri="http://purl.org/dc/dcmitype/"/>
-    <ds:schemaRef ds:uri="http://schemas.openxmlformats.org/package/2006/metadata/core-properties"/>
-    <ds:schemaRef ds:uri="http://purl.org/dc/terms/"/>
-    <ds:schemaRef ds:uri="http://purl.org/dc/elements/1.1/"/>
-  </ds:schemaRefs>
-</ds:datastoreItem>
-</file>
-
-<file path=customXml/itemProps2.xml><?xml version="1.0" encoding="utf-8"?>
 <ds:datastoreItem xmlns:ds="http://schemas.openxmlformats.org/officeDocument/2006/customXml" ds:itemID="{35240994-86D6-4C55-8272-3C86349FB6F7}">
   <ds:schemaRefs>
     <ds:schemaRef ds:uri="http://schemas.microsoft.com/office/2006/metadata/contentType"/>
@@ -11776,6 +12099,21 @@
 </ds:datastoreItem>
 </file>
 
+<file path=customXml/itemProps2.xml><?xml version="1.0" encoding="utf-8"?>
+<ds:datastoreItem xmlns:ds="http://schemas.openxmlformats.org/officeDocument/2006/customXml" ds:itemID="{0A4ADDD2-5B29-4A1F-90E1-3FD9AC1E4F18}">
+  <ds:schemaRefs>
+    <ds:schemaRef ds:uri="http://purl.org/dc/elements/1.1/"/>
+    <ds:schemaRef ds:uri="http://schemas.microsoft.com/office/infopath/2007/PartnerControls"/>
+    <ds:schemaRef ds:uri="http://schemas.microsoft.com/office/2006/metadata/properties"/>
+    <ds:schemaRef ds:uri="http://purl.org/dc/dcmitype/"/>
+    <ds:schemaRef ds:uri="http://schemas.openxmlformats.org/package/2006/metadata/core-properties"/>
+    <ds:schemaRef ds:uri="http://schemas.microsoft.com/office/2006/documentManagement/types"/>
+    <ds:schemaRef ds:uri="http://www.w3.org/XML/1998/namespace"/>
+    <ds:schemaRef ds:uri="http://purl.org/dc/terms/"/>
+  </ds:schemaRefs>
+</ds:datastoreItem>
+</file>
+
 <file path=customXml/itemProps3.xml><?xml version="1.0" encoding="utf-8"?>
 <ds:datastoreItem xmlns:ds="http://schemas.openxmlformats.org/officeDocument/2006/customXml" ds:itemID="{FD22786F-CBCD-4FD4-A284-6C8FA96D8FE2}">
   <ds:schemaRefs>
